--- a/slides/Woo_GBE3037_L19.pptx
+++ b/slides/Woo_GBE3037_L19.pptx
@@ -210,7 +210,7 @@
           <a:p>
             <a:fld id="{65F32F1C-A509-984F-9E5B-E228248344CD}" type="datetimeFigureOut">
               <a:rPr kumimoji="1" lang="ko-KR" altLang="en-US" smtClean="0"/>
-              <a:t>2019. 5. 1.</a:t>
+              <a:t>2019. 5. 10.</a:t>
             </a:fld>
             <a:endParaRPr kumimoji="1" lang="ko-KR" altLang="en-US"/>
           </a:p>
@@ -606,7 +606,7 @@
           <a:p>
             <a:fld id="{D1CBEE32-551C-D044-9ECF-F871403689A5}" type="datetimeFigureOut">
               <a:rPr kumimoji="1" lang="ko-KR" altLang="en-US" smtClean="0"/>
-              <a:t>2019. 5. 1.</a:t>
+              <a:t>2019. 5. 10.</a:t>
             </a:fld>
             <a:endParaRPr kumimoji="1" lang="ko-KR" altLang="en-US"/>
           </a:p>
@@ -774,7 +774,7 @@
           <a:p>
             <a:fld id="{D1CBEE32-551C-D044-9ECF-F871403689A5}" type="datetimeFigureOut">
               <a:rPr kumimoji="1" lang="ko-KR" altLang="en-US" smtClean="0"/>
-              <a:t>2019. 5. 1.</a:t>
+              <a:t>2019. 5. 10.</a:t>
             </a:fld>
             <a:endParaRPr kumimoji="1" lang="ko-KR" altLang="en-US"/>
           </a:p>
@@ -952,7 +952,7 @@
           <a:p>
             <a:fld id="{D1CBEE32-551C-D044-9ECF-F871403689A5}" type="datetimeFigureOut">
               <a:rPr kumimoji="1" lang="ko-KR" altLang="en-US" smtClean="0"/>
-              <a:t>2019. 5. 1.</a:t>
+              <a:t>2019. 5. 10.</a:t>
             </a:fld>
             <a:endParaRPr kumimoji="1" lang="ko-KR" altLang="en-US"/>
           </a:p>
@@ -1120,7 +1120,7 @@
           <a:p>
             <a:fld id="{D1CBEE32-551C-D044-9ECF-F871403689A5}" type="datetimeFigureOut">
               <a:rPr kumimoji="1" lang="ko-KR" altLang="en-US" smtClean="0"/>
-              <a:t>2019. 5. 1.</a:t>
+              <a:t>2019. 5. 10.</a:t>
             </a:fld>
             <a:endParaRPr kumimoji="1" lang="ko-KR" altLang="en-US"/>
           </a:p>
@@ -1365,7 +1365,7 @@
           <a:p>
             <a:fld id="{D1CBEE32-551C-D044-9ECF-F871403689A5}" type="datetimeFigureOut">
               <a:rPr kumimoji="1" lang="ko-KR" altLang="en-US" smtClean="0"/>
-              <a:t>2019. 5. 1.</a:t>
+              <a:t>2019. 5. 10.</a:t>
             </a:fld>
             <a:endParaRPr kumimoji="1" lang="ko-KR" altLang="en-US"/>
           </a:p>
@@ -1594,7 +1594,7 @@
           <a:p>
             <a:fld id="{D1CBEE32-551C-D044-9ECF-F871403689A5}" type="datetimeFigureOut">
               <a:rPr kumimoji="1" lang="ko-KR" altLang="en-US" smtClean="0"/>
-              <a:t>2019. 5. 1.</a:t>
+              <a:t>2019. 5. 10.</a:t>
             </a:fld>
             <a:endParaRPr kumimoji="1" lang="ko-KR" altLang="en-US"/>
           </a:p>
@@ -1958,7 +1958,7 @@
           <a:p>
             <a:fld id="{D1CBEE32-551C-D044-9ECF-F871403689A5}" type="datetimeFigureOut">
               <a:rPr kumimoji="1" lang="ko-KR" altLang="en-US" smtClean="0"/>
-              <a:t>2019. 5. 1.</a:t>
+              <a:t>2019. 5. 10.</a:t>
             </a:fld>
             <a:endParaRPr kumimoji="1" lang="ko-KR" altLang="en-US"/>
           </a:p>
@@ -2075,7 +2075,7 @@
           <a:p>
             <a:fld id="{D1CBEE32-551C-D044-9ECF-F871403689A5}" type="datetimeFigureOut">
               <a:rPr kumimoji="1" lang="ko-KR" altLang="en-US" smtClean="0"/>
-              <a:t>2019. 5. 1.</a:t>
+              <a:t>2019. 5. 10.</a:t>
             </a:fld>
             <a:endParaRPr kumimoji="1" lang="ko-KR" altLang="en-US"/>
           </a:p>
@@ -2170,7 +2170,7 @@
           <a:p>
             <a:fld id="{D1CBEE32-551C-D044-9ECF-F871403689A5}" type="datetimeFigureOut">
               <a:rPr kumimoji="1" lang="ko-KR" altLang="en-US" smtClean="0"/>
-              <a:t>2019. 5. 1.</a:t>
+              <a:t>2019. 5. 10.</a:t>
             </a:fld>
             <a:endParaRPr kumimoji="1" lang="ko-KR" altLang="en-US"/>
           </a:p>
@@ -2445,7 +2445,7 @@
           <a:p>
             <a:fld id="{D1CBEE32-551C-D044-9ECF-F871403689A5}" type="datetimeFigureOut">
               <a:rPr kumimoji="1" lang="ko-KR" altLang="en-US" smtClean="0"/>
-              <a:t>2019. 5. 1.</a:t>
+              <a:t>2019. 5. 10.</a:t>
             </a:fld>
             <a:endParaRPr kumimoji="1" lang="ko-KR" altLang="en-US"/>
           </a:p>
@@ -2697,7 +2697,7 @@
           <a:p>
             <a:fld id="{D1CBEE32-551C-D044-9ECF-F871403689A5}" type="datetimeFigureOut">
               <a:rPr kumimoji="1" lang="ko-KR" altLang="en-US" smtClean="0"/>
-              <a:t>2019. 5. 1.</a:t>
+              <a:t>2019. 5. 10.</a:t>
             </a:fld>
             <a:endParaRPr kumimoji="1" lang="ko-KR" altLang="en-US"/>
           </a:p>
@@ -2908,7 +2908,7 @@
           <a:p>
             <a:fld id="{D1CBEE32-551C-D044-9ECF-F871403689A5}" type="datetimeFigureOut">
               <a:rPr kumimoji="1" lang="ko-KR" altLang="en-US" smtClean="0"/>
-              <a:t>2019. 5. 1.</a:t>
+              <a:t>2019. 5. 10.</a:t>
             </a:fld>
             <a:endParaRPr kumimoji="1" lang="ko-KR" altLang="en-US"/>
           </a:p>
@@ -14982,431 +14982,6 @@
   <p:clrMapOvr>
     <a:masterClrMapping/>
   </p:clrMapOvr>
-  <p:timing>
-    <p:tnLst>
-      <p:par>
-        <p:cTn id="1" dur="indefinite" restart="never" nodeType="tmRoot">
-          <p:childTnLst>
-            <p:seq concurrent="1" nextAc="seek">
-              <p:cTn id="2" dur="indefinite" nodeType="mainSeq">
-                <p:childTnLst>
-                  <p:par>
-                    <p:cTn id="3" fill="hold">
-                      <p:stCondLst>
-                        <p:cond delay="indefinite"/>
-                      </p:stCondLst>
-                      <p:childTnLst>
-                        <p:par>
-                          <p:cTn id="4" fill="hold">
-                            <p:stCondLst>
-                              <p:cond delay="0"/>
-                            </p:stCondLst>
-                            <p:childTnLst>
-                              <p:par>
-                                <p:cTn id="5" presetID="1" presetClass="entr" presetSubtype="0" fill="hold" grpId="0" nodeType="clickEffect">
-                                  <p:stCondLst>
-                                    <p:cond delay="0"/>
-                                  </p:stCondLst>
-                                  <p:childTnLst>
-                                    <p:set>
-                                      <p:cBhvr>
-                                        <p:cTn id="6" dur="1" fill="hold">
-                                          <p:stCondLst>
-                                            <p:cond delay="0"/>
-                                          </p:stCondLst>
-                                        </p:cTn>
-                                        <p:tgtEl>
-                                          <p:spTgt spid="12">
-                                            <p:txEl>
-                                              <p:pRg st="0" end="0"/>
-                                            </p:txEl>
-                                          </p:spTgt>
-                                        </p:tgtEl>
-                                        <p:attrNameLst>
-                                          <p:attrName>style.visibility</p:attrName>
-                                        </p:attrNameLst>
-                                      </p:cBhvr>
-                                      <p:to>
-                                        <p:strVal val="visible"/>
-                                      </p:to>
-                                    </p:set>
-                                  </p:childTnLst>
-                                </p:cTn>
-                              </p:par>
-                            </p:childTnLst>
-                          </p:cTn>
-                        </p:par>
-                      </p:childTnLst>
-                    </p:cTn>
-                  </p:par>
-                  <p:par>
-                    <p:cTn id="7" fill="hold">
-                      <p:stCondLst>
-                        <p:cond delay="indefinite"/>
-                      </p:stCondLst>
-                      <p:childTnLst>
-                        <p:par>
-                          <p:cTn id="8" fill="hold">
-                            <p:stCondLst>
-                              <p:cond delay="0"/>
-                            </p:stCondLst>
-                            <p:childTnLst>
-                              <p:par>
-                                <p:cTn id="9" presetID="1" presetClass="entr" presetSubtype="0" fill="hold" grpId="0" nodeType="clickEffect">
-                                  <p:stCondLst>
-                                    <p:cond delay="0"/>
-                                  </p:stCondLst>
-                                  <p:childTnLst>
-                                    <p:set>
-                                      <p:cBhvr>
-                                        <p:cTn id="10" dur="1" fill="hold">
-                                          <p:stCondLst>
-                                            <p:cond delay="0"/>
-                                          </p:stCondLst>
-                                        </p:cTn>
-                                        <p:tgtEl>
-                                          <p:spTgt spid="12">
-                                            <p:txEl>
-                                              <p:pRg st="1" end="1"/>
-                                            </p:txEl>
-                                          </p:spTgt>
-                                        </p:tgtEl>
-                                        <p:attrNameLst>
-                                          <p:attrName>style.visibility</p:attrName>
-                                        </p:attrNameLst>
-                                      </p:cBhvr>
-                                      <p:to>
-                                        <p:strVal val="visible"/>
-                                      </p:to>
-                                    </p:set>
-                                  </p:childTnLst>
-                                </p:cTn>
-                              </p:par>
-                            </p:childTnLst>
-                          </p:cTn>
-                        </p:par>
-                      </p:childTnLst>
-                    </p:cTn>
-                  </p:par>
-                  <p:par>
-                    <p:cTn id="11" fill="hold">
-                      <p:stCondLst>
-                        <p:cond delay="indefinite"/>
-                      </p:stCondLst>
-                      <p:childTnLst>
-                        <p:par>
-                          <p:cTn id="12" fill="hold">
-                            <p:stCondLst>
-                              <p:cond delay="0"/>
-                            </p:stCondLst>
-                            <p:childTnLst>
-                              <p:par>
-                                <p:cTn id="13" presetID="1" presetClass="entr" presetSubtype="0" fill="hold" grpId="0" nodeType="clickEffect">
-                                  <p:stCondLst>
-                                    <p:cond delay="0"/>
-                                  </p:stCondLst>
-                                  <p:childTnLst>
-                                    <p:set>
-                                      <p:cBhvr>
-                                        <p:cTn id="14" dur="1" fill="hold">
-                                          <p:stCondLst>
-                                            <p:cond delay="0"/>
-                                          </p:stCondLst>
-                                        </p:cTn>
-                                        <p:tgtEl>
-                                          <p:spTgt spid="12">
-                                            <p:txEl>
-                                              <p:pRg st="2" end="2"/>
-                                            </p:txEl>
-                                          </p:spTgt>
-                                        </p:tgtEl>
-                                        <p:attrNameLst>
-                                          <p:attrName>style.visibility</p:attrName>
-                                        </p:attrNameLst>
-                                      </p:cBhvr>
-                                      <p:to>
-                                        <p:strVal val="visible"/>
-                                      </p:to>
-                                    </p:set>
-                                  </p:childTnLst>
-                                </p:cTn>
-                              </p:par>
-                            </p:childTnLst>
-                          </p:cTn>
-                        </p:par>
-                      </p:childTnLst>
-                    </p:cTn>
-                  </p:par>
-                  <p:par>
-                    <p:cTn id="15" fill="hold">
-                      <p:stCondLst>
-                        <p:cond delay="indefinite"/>
-                      </p:stCondLst>
-                      <p:childTnLst>
-                        <p:par>
-                          <p:cTn id="16" fill="hold">
-                            <p:stCondLst>
-                              <p:cond delay="0"/>
-                            </p:stCondLst>
-                            <p:childTnLst>
-                              <p:par>
-                                <p:cTn id="17" presetID="1" presetClass="entr" presetSubtype="0" fill="hold" grpId="0" nodeType="clickEffect">
-                                  <p:stCondLst>
-                                    <p:cond delay="0"/>
-                                  </p:stCondLst>
-                                  <p:childTnLst>
-                                    <p:set>
-                                      <p:cBhvr>
-                                        <p:cTn id="18" dur="1" fill="hold">
-                                          <p:stCondLst>
-                                            <p:cond delay="0"/>
-                                          </p:stCondLst>
-                                        </p:cTn>
-                                        <p:tgtEl>
-                                          <p:spTgt spid="12">
-                                            <p:txEl>
-                                              <p:pRg st="3" end="3"/>
-                                            </p:txEl>
-                                          </p:spTgt>
-                                        </p:tgtEl>
-                                        <p:attrNameLst>
-                                          <p:attrName>style.visibility</p:attrName>
-                                        </p:attrNameLst>
-                                      </p:cBhvr>
-                                      <p:to>
-                                        <p:strVal val="visible"/>
-                                      </p:to>
-                                    </p:set>
-                                  </p:childTnLst>
-                                </p:cTn>
-                              </p:par>
-                            </p:childTnLst>
-                          </p:cTn>
-                        </p:par>
-                      </p:childTnLst>
-                    </p:cTn>
-                  </p:par>
-                  <p:par>
-                    <p:cTn id="19" fill="hold">
-                      <p:stCondLst>
-                        <p:cond delay="indefinite"/>
-                      </p:stCondLst>
-                      <p:childTnLst>
-                        <p:par>
-                          <p:cTn id="20" fill="hold">
-                            <p:stCondLst>
-                              <p:cond delay="0"/>
-                            </p:stCondLst>
-                            <p:childTnLst>
-                              <p:par>
-                                <p:cTn id="21" presetID="1" presetClass="entr" presetSubtype="0" fill="hold" grpId="0" nodeType="clickEffect">
-                                  <p:stCondLst>
-                                    <p:cond delay="0"/>
-                                  </p:stCondLst>
-                                  <p:childTnLst>
-                                    <p:set>
-                                      <p:cBhvr>
-                                        <p:cTn id="22" dur="1" fill="hold">
-                                          <p:stCondLst>
-                                            <p:cond delay="0"/>
-                                          </p:stCondLst>
-                                        </p:cTn>
-                                        <p:tgtEl>
-                                          <p:spTgt spid="12">
-                                            <p:txEl>
-                                              <p:pRg st="4" end="4"/>
-                                            </p:txEl>
-                                          </p:spTgt>
-                                        </p:tgtEl>
-                                        <p:attrNameLst>
-                                          <p:attrName>style.visibility</p:attrName>
-                                        </p:attrNameLst>
-                                      </p:cBhvr>
-                                      <p:to>
-                                        <p:strVal val="visible"/>
-                                      </p:to>
-                                    </p:set>
-                                  </p:childTnLst>
-                                </p:cTn>
-                              </p:par>
-                            </p:childTnLst>
-                          </p:cTn>
-                        </p:par>
-                      </p:childTnLst>
-                    </p:cTn>
-                  </p:par>
-                  <p:par>
-                    <p:cTn id="23" fill="hold">
-                      <p:stCondLst>
-                        <p:cond delay="indefinite"/>
-                      </p:stCondLst>
-                      <p:childTnLst>
-                        <p:par>
-                          <p:cTn id="24" fill="hold">
-                            <p:stCondLst>
-                              <p:cond delay="0"/>
-                            </p:stCondLst>
-                            <p:childTnLst>
-                              <p:par>
-                                <p:cTn id="25" presetID="1" presetClass="entr" presetSubtype="0" fill="hold" grpId="0" nodeType="clickEffect">
-                                  <p:stCondLst>
-                                    <p:cond delay="0"/>
-                                  </p:stCondLst>
-                                  <p:childTnLst>
-                                    <p:set>
-                                      <p:cBhvr>
-                                        <p:cTn id="26" dur="1" fill="hold">
-                                          <p:stCondLst>
-                                            <p:cond delay="0"/>
-                                          </p:stCondLst>
-                                        </p:cTn>
-                                        <p:tgtEl>
-                                          <p:spTgt spid="12">
-                                            <p:txEl>
-                                              <p:pRg st="5" end="5"/>
-                                            </p:txEl>
-                                          </p:spTgt>
-                                        </p:tgtEl>
-                                        <p:attrNameLst>
-                                          <p:attrName>style.visibility</p:attrName>
-                                        </p:attrNameLst>
-                                      </p:cBhvr>
-                                      <p:to>
-                                        <p:strVal val="visible"/>
-                                      </p:to>
-                                    </p:set>
-                                  </p:childTnLst>
-                                </p:cTn>
-                              </p:par>
-                            </p:childTnLst>
-                          </p:cTn>
-                        </p:par>
-                      </p:childTnLst>
-                    </p:cTn>
-                  </p:par>
-                  <p:par>
-                    <p:cTn id="27" fill="hold">
-                      <p:stCondLst>
-                        <p:cond delay="indefinite"/>
-                      </p:stCondLst>
-                      <p:childTnLst>
-                        <p:par>
-                          <p:cTn id="28" fill="hold">
-                            <p:stCondLst>
-                              <p:cond delay="0"/>
-                            </p:stCondLst>
-                            <p:childTnLst>
-                              <p:par>
-                                <p:cTn id="29" presetID="1" presetClass="entr" presetSubtype="0" fill="hold" grpId="0" nodeType="clickEffect">
-                                  <p:stCondLst>
-                                    <p:cond delay="0"/>
-                                  </p:stCondLst>
-                                  <p:childTnLst>
-                                    <p:set>
-                                      <p:cBhvr>
-                                        <p:cTn id="30" dur="1" fill="hold">
-                                          <p:stCondLst>
-                                            <p:cond delay="0"/>
-                                          </p:stCondLst>
-                                        </p:cTn>
-                                        <p:tgtEl>
-                                          <p:spTgt spid="12">
-                                            <p:txEl>
-                                              <p:pRg st="6" end="6"/>
-                                            </p:txEl>
-                                          </p:spTgt>
-                                        </p:tgtEl>
-                                        <p:attrNameLst>
-                                          <p:attrName>style.visibility</p:attrName>
-                                        </p:attrNameLst>
-                                      </p:cBhvr>
-                                      <p:to>
-                                        <p:strVal val="visible"/>
-                                      </p:to>
-                                    </p:set>
-                                  </p:childTnLst>
-                                </p:cTn>
-                              </p:par>
-                            </p:childTnLst>
-                          </p:cTn>
-                        </p:par>
-                      </p:childTnLst>
-                    </p:cTn>
-                  </p:par>
-                  <p:par>
-                    <p:cTn id="31" fill="hold">
-                      <p:stCondLst>
-                        <p:cond delay="indefinite"/>
-                      </p:stCondLst>
-                      <p:childTnLst>
-                        <p:par>
-                          <p:cTn id="32" fill="hold">
-                            <p:stCondLst>
-                              <p:cond delay="0"/>
-                            </p:stCondLst>
-                            <p:childTnLst>
-                              <p:par>
-                                <p:cTn id="33" presetID="1" presetClass="entr" presetSubtype="0" fill="hold" grpId="0" nodeType="clickEffect">
-                                  <p:stCondLst>
-                                    <p:cond delay="0"/>
-                                  </p:stCondLst>
-                                  <p:childTnLst>
-                                    <p:set>
-                                      <p:cBhvr>
-                                        <p:cTn id="34" dur="1" fill="hold">
-                                          <p:stCondLst>
-                                            <p:cond delay="0"/>
-                                          </p:stCondLst>
-                                        </p:cTn>
-                                        <p:tgtEl>
-                                          <p:spTgt spid="12">
-                                            <p:txEl>
-                                              <p:pRg st="7" end="7"/>
-                                            </p:txEl>
-                                          </p:spTgt>
-                                        </p:tgtEl>
-                                        <p:attrNameLst>
-                                          <p:attrName>style.visibility</p:attrName>
-                                        </p:attrNameLst>
-                                      </p:cBhvr>
-                                      <p:to>
-                                        <p:strVal val="visible"/>
-                                      </p:to>
-                                    </p:set>
-                                  </p:childTnLst>
-                                </p:cTn>
-                              </p:par>
-                            </p:childTnLst>
-                          </p:cTn>
-                        </p:par>
-                      </p:childTnLst>
-                    </p:cTn>
-                  </p:par>
-                </p:childTnLst>
-              </p:cTn>
-              <p:prevCondLst>
-                <p:cond evt="onPrev" delay="0">
-                  <p:tgtEl>
-                    <p:sldTgt/>
-                  </p:tgtEl>
-                </p:cond>
-              </p:prevCondLst>
-              <p:nextCondLst>
-                <p:cond evt="onNext" delay="0">
-                  <p:tgtEl>
-                    <p:sldTgt/>
-                  </p:tgtEl>
-                </p:cond>
-              </p:nextCondLst>
-            </p:seq>
-          </p:childTnLst>
-        </p:cTn>
-      </p:par>
-    </p:tnLst>
-    <p:bldLst>
-      <p:bldP spid="12" grpId="0" build="p" bldLvl="2"/>
-    </p:bldLst>
-  </p:timing>
 </p:sld>
 </file>
 
